--- a/Aho-Corasick-Parallel.pptx
+++ b/Aho-Corasick-Parallel.pptx
@@ -35751,7 +35751,7 @@
         </p:nvSpPr>
         <p:spPr>
           <a:xfrm>
-            <a:off x="794425" y="1563638"/>
+            <a:off x="794425" y="1707654"/>
             <a:ext cx="609223" cy="609223"/>
           </a:xfrm>
           <a:prstGeom prst="ellipse">
@@ -35797,7 +35797,7 @@
         </p:nvSpPr>
         <p:spPr>
           <a:xfrm>
-            <a:off x="794425" y="2505878"/>
+            <a:off x="794425" y="3003798"/>
             <a:ext cx="609223" cy="609223"/>
           </a:xfrm>
           <a:prstGeom prst="ellipse">
@@ -35805,52 +35805,6 @@
           </a:prstGeom>
           <a:solidFill>
             <a:schemeClr val="accent2"/>
-          </a:solidFill>
-          <a:ln w="50800">
-            <a:noFill/>
-          </a:ln>
-        </p:spPr>
-        <p:style>
-          <a:lnRef idx="2">
-            <a:schemeClr val="accent1">
-              <a:shade val="50000"/>
-            </a:schemeClr>
-          </a:lnRef>
-          <a:fillRef idx="1">
-            <a:schemeClr val="accent1"/>
-          </a:fillRef>
-          <a:effectRef idx="0">
-            <a:schemeClr val="accent1"/>
-          </a:effectRef>
-          <a:fontRef idx="minor">
-            <a:schemeClr val="lt1"/>
-          </a:fontRef>
-        </p:style>
-        <p:txBody>
-          <a:bodyPr rtlCol="0" anchor="ctr"/>
-          <a:lstStyle/>
-          <a:p>
-            <a:pPr algn="ctr"/>
-            <a:endParaRPr lang="ko-KR" altLang="en-US"/>
-          </a:p>
-        </p:txBody>
-      </p:sp>
-      <p:sp>
-        <p:nvSpPr>
-          <p:cNvPr id="10" name="Oval 9"/>
-          <p:cNvSpPr/>
-          <p:nvPr/>
-        </p:nvSpPr>
-        <p:spPr>
-          <a:xfrm>
-            <a:off x="794425" y="3448118"/>
-            <a:ext cx="609223" cy="609223"/>
-          </a:xfrm>
-          <a:prstGeom prst="ellipse">
-            <a:avLst/>
-          </a:prstGeom>
-          <a:solidFill>
-            <a:schemeClr val="accent3"/>
           </a:solidFill>
           <a:ln w="50800">
             <a:noFill/>
@@ -36012,7 +35966,7 @@
         </p:nvGrpSpPr>
         <p:grpSpPr>
           <a:xfrm>
-            <a:off x="1558022" y="1718735"/>
+            <a:off x="1558022" y="1862751"/>
             <a:ext cx="5102210" cy="324902"/>
             <a:chOff x="1472558" y="1209100"/>
             <a:chExt cx="2765965" cy="324902"/>
@@ -36110,7 +36064,7 @@
         </p:nvGrpSpPr>
         <p:grpSpPr>
           <a:xfrm>
-            <a:off x="1558022" y="2684427"/>
+            <a:off x="1558022" y="3182347"/>
             <a:ext cx="5390242" cy="535443"/>
             <a:chOff x="1472558" y="998559"/>
             <a:chExt cx="2765965" cy="535443"/>
@@ -36208,7 +36162,7 @@
         </p:nvGrpSpPr>
         <p:grpSpPr>
           <a:xfrm>
-            <a:off x="1558022" y="3590943"/>
+            <a:off x="1558022" y="3656863"/>
             <a:ext cx="5966306" cy="337174"/>
             <a:chOff x="1472558" y="1196828"/>
             <a:chExt cx="2765965" cy="337174"/>
@@ -36271,95 +36225,7 @@
             </a:bodyPr>
             <a:lstStyle/>
             <a:p>
-              <a:r>
-                <a:rPr lang="en-US" altLang="ko-KR" sz="1200" b="1" dirty="0">
-                  <a:solidFill>
-                    <a:schemeClr val="tx1">
-                      <a:lumMod val="75000"/>
-                      <a:lumOff val="25000"/>
-                    </a:schemeClr>
-                  </a:solidFill>
-                  <a:latin typeface="Arial" pitchFamily="34" charset="0"/>
-                  <a:cs typeface="Arial" pitchFamily="34" charset="0"/>
-                </a:rPr>
-                <a:t>The size of the trie grow exponentiality =&gt; limit the length of the patterns.</a:t>
-              </a:r>
-            </a:p>
-          </p:txBody>
-        </p:sp>
-      </p:grpSp>
-      <p:grpSp>
-        <p:nvGrpSpPr>
-          <p:cNvPr id="60" name="Group 59"/>
-          <p:cNvGrpSpPr/>
-          <p:nvPr/>
-        </p:nvGrpSpPr>
-        <p:grpSpPr>
-          <a:xfrm>
-            <a:off x="1558022" y="4238967"/>
-            <a:ext cx="2830257" cy="343309"/>
-            <a:chOff x="1472558" y="1190693"/>
-            <a:chExt cx="2765965" cy="343309"/>
-          </a:xfrm>
-        </p:grpSpPr>
-        <p:sp>
-          <p:nvSpPr>
-            <p:cNvPr id="61" name="TextBox 60"/>
-            <p:cNvSpPr txBox="1"/>
-            <p:nvPr/>
-          </p:nvSpPr>
-          <p:spPr>
-            <a:xfrm>
-              <a:off x="1472558" y="1257003"/>
-              <a:ext cx="2765965" cy="276999"/>
-            </a:xfrm>
-            <a:prstGeom prst="rect">
-              <a:avLst/>
-            </a:prstGeom>
-            <a:noFill/>
-          </p:spPr>
-          <p:txBody>
-            <a:bodyPr wrap="square" rtlCol="0">
-              <a:spAutoFit/>
-            </a:bodyPr>
-            <a:lstStyle/>
-            <a:p>
-              <a:endParaRPr lang="ko-KR" altLang="en-US" sz="1200" dirty="0">
-                <a:solidFill>
-                  <a:schemeClr val="tx1">
-                    <a:lumMod val="75000"/>
-                    <a:lumOff val="25000"/>
-                  </a:schemeClr>
-                </a:solidFill>
-                <a:latin typeface="Arial" pitchFamily="34" charset="0"/>
-                <a:cs typeface="Arial" pitchFamily="34" charset="0"/>
-              </a:endParaRPr>
-            </a:p>
-          </p:txBody>
-        </p:sp>
-        <p:sp>
-          <p:nvSpPr>
-            <p:cNvPr id="62" name="TextBox 61"/>
-            <p:cNvSpPr txBox="1"/>
-            <p:nvPr/>
-          </p:nvSpPr>
-          <p:spPr>
-            <a:xfrm>
-              <a:off x="1472558" y="1190693"/>
-              <a:ext cx="2765965" cy="276999"/>
-            </a:xfrm>
-            <a:prstGeom prst="rect">
-              <a:avLst/>
-            </a:prstGeom>
-            <a:noFill/>
-          </p:spPr>
-          <p:txBody>
-            <a:bodyPr wrap="square" rtlCol="0">
-              <a:spAutoFit/>
-            </a:bodyPr>
-            <a:lstStyle/>
-            <a:p>
-              <a:endParaRPr lang="ko-KR" altLang="en-US" sz="1200" b="1" dirty="0">
+              <a:endParaRPr lang="en-US" altLang="ko-KR" sz="1200" b="1" dirty="0">
                 <a:solidFill>
                   <a:schemeClr val="tx1">
                     <a:lumMod val="75000"/>
@@ -36387,7 +36253,7 @@
         </p:nvSpPr>
         <p:spPr>
           <a:xfrm>
-            <a:off x="926031" y="2640872"/>
+            <a:off x="926031" y="3138792"/>
             <a:ext cx="335647" cy="335647"/>
           </a:xfrm>
           <a:custGeom>
@@ -36781,7 +36647,7 @@
         </p:nvSpPr>
         <p:spPr>
           <a:xfrm>
-            <a:off x="936395" y="3582997"/>
+            <a:off x="936395" y="3648917"/>
             <a:ext cx="322040" cy="322040"/>
           </a:xfrm>
           <a:custGeom>
@@ -37045,7 +36911,7 @@
         </p:nvSpPr>
         <p:spPr>
           <a:xfrm>
-            <a:off x="920341" y="1699055"/>
+            <a:off x="920341" y="1843071"/>
             <a:ext cx="347025" cy="347025"/>
           </a:xfrm>
           <a:custGeom>
